--- a/metocean-api-workshop-summary.pptx
+++ b/metocean-api-workshop-summary.pptx
@@ -12,8 +12,8 @@
   </p:handoutMasterIdLst>
   <p:sldIdLst>
     <p:sldId id="256" r:id="rId2"/>
-    <p:sldId id="258" r:id="rId3"/>
-    <p:sldId id="257" r:id="rId4"/>
+    <p:sldId id="257" r:id="rId3"/>
+    <p:sldId id="259" r:id="rId4"/>
   </p:sldIdLst>
   <p:sldSz cx="9144000" cy="6858000" type="screen4x3"/>
   <p:notesSz cx="6904038" cy="9220200"/>
@@ -559,10 +559,10 @@
           </a:ln>
           <a:extLst>
             <a:ext uri="{FAA26D3D-D897-4be2-8F04-BA451C77F1D7}">
-              <ma14:placeholderFlag xmlns="" xmlns:ma14="http://schemas.microsoft.com/office/mac/drawingml/2011/main" val="1"/>
+              <ma14:placeholderFlag xmlns:ma14="http://schemas.microsoft.com/office/mac/drawingml/2011/main" xmlns="" val="1"/>
             </a:ext>
             <a:ext uri="{909E8E84-426E-40dd-AFC4-6F175D3DCCD1}">
-              <a14:hiddenFill xmlns:a14="http://schemas.microsoft.com/office/drawing/2010/main" xmlns="">
+              <a14:hiddenFill xmlns="" xmlns:a14="http://schemas.microsoft.com/office/drawing/2010/main">
                 <a:solidFill>
                   <a:srgbClr val="FFFFFF"/>
                 </a:solidFill>
@@ -1081,14 +1081,14 @@
           </a:ln>
           <a:extLst>
             <a:ext uri="{909E8E84-426E-40dd-AFC4-6F175D3DCCD1}">
-              <a14:hiddenFill xmlns:a14="http://schemas.microsoft.com/office/drawing/2010/main" xmlns="">
+              <a14:hiddenFill xmlns="" xmlns:a14="http://schemas.microsoft.com/office/drawing/2010/main">
                 <a:solidFill>
                   <a:srgbClr val="FFFFFF"/>
                 </a:solidFill>
               </a14:hiddenFill>
             </a:ext>
             <a:ext uri="{91240B29-F687-4f45-9708-019B960494DF}">
-              <a14:hiddenLine xmlns:a14="http://schemas.microsoft.com/office/drawing/2010/main" xmlns="" w="9525">
+              <a14:hiddenLine xmlns="" xmlns:a14="http://schemas.microsoft.com/office/drawing/2010/main" w="9525">
                 <a:solidFill>
                   <a:srgbClr val="000000"/>
                 </a:solidFill>
@@ -1135,14 +1135,14 @@
           </a:ln>
           <a:extLst>
             <a:ext uri="{909E8E84-426E-40dd-AFC4-6F175D3DCCD1}">
-              <a14:hiddenFill xmlns:a14="http://schemas.microsoft.com/office/drawing/2010/main" xmlns="">
+              <a14:hiddenFill xmlns="" xmlns:a14="http://schemas.microsoft.com/office/drawing/2010/main">
                 <a:solidFill>
                   <a:srgbClr val="FFFFFF"/>
                 </a:solidFill>
               </a14:hiddenFill>
             </a:ext>
             <a:ext uri="{91240B29-F687-4f45-9708-019B960494DF}">
-              <a14:hiddenLine xmlns:a14="http://schemas.microsoft.com/office/drawing/2010/main" xmlns="" w="9525">
+              <a14:hiddenLine xmlns="" xmlns:a14="http://schemas.microsoft.com/office/drawing/2010/main" w="9525">
                 <a:solidFill>
                   <a:srgbClr val="000000"/>
                 </a:solidFill>
@@ -3692,14 +3692,14 @@
           </a:ln>
           <a:extLst>
             <a:ext uri="{909E8E84-426E-40dd-AFC4-6F175D3DCCD1}">
-              <a14:hiddenFill xmlns:a14="http://schemas.microsoft.com/office/drawing/2010/main" xmlns="">
+              <a14:hiddenFill xmlns="" xmlns:a14="http://schemas.microsoft.com/office/drawing/2010/main">
                 <a:solidFill>
                   <a:srgbClr val="FFFFFF"/>
                 </a:solidFill>
               </a14:hiddenFill>
             </a:ext>
             <a:ext uri="{91240B29-F687-4f45-9708-019B960494DF}">
-              <a14:hiddenLine xmlns:a14="http://schemas.microsoft.com/office/drawing/2010/main" xmlns="" w="9525">
+              <a14:hiddenLine xmlns="" xmlns:a14="http://schemas.microsoft.com/office/drawing/2010/main" w="9525">
                 <a:solidFill>
                   <a:srgbClr val="000000"/>
                 </a:solidFill>
@@ -3778,17 +3778,17 @@
           </a:ln>
           <a:extLst>
             <a:ext uri="{FAA26D3D-D897-4be2-8F04-BA451C77F1D7}">
-              <ma14:placeholderFlag xmlns="" xmlns:ma14="http://schemas.microsoft.com/office/mac/drawingml/2011/main" val="1"/>
+              <ma14:placeholderFlag xmlns:ma14="http://schemas.microsoft.com/office/mac/drawingml/2011/main" xmlns="" val="1"/>
             </a:ext>
             <a:ext uri="{909E8E84-426E-40dd-AFC4-6F175D3DCCD1}">
-              <a14:hiddenFill xmlns:a14="http://schemas.microsoft.com/office/drawing/2010/main" xmlns="">
+              <a14:hiddenFill xmlns="" xmlns:a14="http://schemas.microsoft.com/office/drawing/2010/main">
                 <a:solidFill>
                   <a:srgbClr val="FFFFFF"/>
                 </a:solidFill>
               </a14:hiddenFill>
             </a:ext>
             <a:ext uri="{91240B29-F687-4f45-9708-019B960494DF}">
-              <a14:hiddenLine xmlns:a14="http://schemas.microsoft.com/office/drawing/2010/main" xmlns="" w="9525">
+              <a14:hiddenLine xmlns="" xmlns:a14="http://schemas.microsoft.com/office/drawing/2010/main" w="9525">
                 <a:solidFill>
                   <a:srgbClr val="000000"/>
                 </a:solidFill>
@@ -4947,13 +4947,7 @@
       </p:grpSpPr>
       <p:sp>
         <p:nvSpPr>
-          <p:cNvPr id="2" name="Title 1">
-            <a:extLst>
-              <a:ext uri="{FF2B5EF4-FFF2-40B4-BE49-F238E27FC236}">
-                <a16:creationId xmlns:a16="http://schemas.microsoft.com/office/drawing/2014/main" id="{72E64A93-D75F-FA41-AD14-08C9661E635A}"/>
-              </a:ext>
-            </a:extLst>
-          </p:cNvPr>
+          <p:cNvPr id="2" name="Title 1"/>
           <p:cNvSpPr>
             <a:spLocks noGrp="1"/>
           </p:cNvSpPr>
@@ -4967,25 +4961,16 @@
           <a:lstStyle/>
           <a:p>
             <a:r>
-              <a:rPr lang="en-US" dirty="0" err="1"/>
-              <a:t>WiFi</a:t>
-            </a:r>
-            <a:r>
-              <a:rPr lang="en-US" dirty="0"/>
-              <a:t> details</a:t>
-            </a:r>
-          </a:p>
-        </p:txBody>
-      </p:sp>
-      <p:sp>
-        <p:nvSpPr>
-          <p:cNvPr id="3" name="Content Placeholder 2">
-            <a:extLst>
-              <a:ext uri="{FF2B5EF4-FFF2-40B4-BE49-F238E27FC236}">
-                <a16:creationId xmlns:a16="http://schemas.microsoft.com/office/drawing/2014/main" id="{3586F624-04A8-E647-B385-7E210C4A4FDA}"/>
-              </a:ext>
-            </a:extLst>
-          </p:cNvPr>
+              <a:rPr lang="en-US" dirty="0" smtClean="0"/>
+              <a:t>Working Areas	</a:t>
+            </a:r>
+            <a:endParaRPr lang="en-US" dirty="0"/>
+          </a:p>
+        </p:txBody>
+      </p:sp>
+      <p:sp>
+        <p:nvSpPr>
+          <p:cNvPr id="3" name="Content Placeholder 2"/>
           <p:cNvSpPr>
             <a:spLocks noGrp="1"/>
           </p:cNvSpPr>
@@ -4998,43 +4983,51 @@
           <a:bodyPr/>
           <a:lstStyle/>
           <a:p>
-            <a:pPr marL="0" indent="0">
-              <a:buNone/>
-            </a:pPr>
-            <a:r>
-              <a:rPr lang="en-US" sz="4000" dirty="0"/>
-              <a:t>User: </a:t>
-            </a:r>
-            <a:r>
-              <a:rPr lang="en-US" sz="4000" b="1" dirty="0"/>
-              <a:t>cltguest118</a:t>
-            </a:r>
-          </a:p>
-          <a:p>
-            <a:pPr marL="0" indent="0">
-              <a:buNone/>
-            </a:pPr>
-            <a:r>
-              <a:rPr lang="en-US" sz="4000" dirty="0"/>
-              <a:t>Pass: </a:t>
-            </a:r>
-            <a:r>
-              <a:rPr lang="en-US" sz="4000" b="1" dirty="0"/>
-              <a:t>EPRIguest2018</a:t>
-            </a:r>
-            <a:endParaRPr lang="en-US" sz="4000" dirty="0"/>
-          </a:p>
-        </p:txBody>
-      </p:sp>
-      <p:sp>
-        <p:nvSpPr>
-          <p:cNvPr id="4" name="Footer Placeholder 3">
-            <a:extLst>
-              <a:ext uri="{FF2B5EF4-FFF2-40B4-BE49-F238E27FC236}">
-                <a16:creationId xmlns:a16="http://schemas.microsoft.com/office/drawing/2014/main" id="{AAF4CB5B-D07D-0649-A049-D0BEF39C6818}"/>
-              </a:ext>
-            </a:extLst>
-          </p:cNvPr>
+            <a:r>
+              <a:rPr lang="en-US" dirty="0" smtClean="0"/>
+              <a:t>GitHub:</a:t>
+            </a:r>
+          </a:p>
+          <a:p>
+            <a:pPr lvl="1"/>
+            <a:r>
+              <a:rPr lang="en-US" dirty="0">
+                <a:hlinkClick r:id="rId2"/>
+              </a:rPr>
+              <a:t>https://</a:t>
+            </a:r>
+            <a:r>
+              <a:rPr lang="en-US" dirty="0" smtClean="0">
+                <a:hlinkClick r:id="rId2"/>
+              </a:rPr>
+              <a:t>github.com/OGCMetOceanDWG/MetOceanAPI-Workshop</a:t>
+            </a:r>
+            <a:endParaRPr lang="en-US" dirty="0" smtClean="0"/>
+          </a:p>
+          <a:p>
+            <a:r>
+              <a:rPr lang="en-US" dirty="0" smtClean="0"/>
+              <a:t>Gitter Chat</a:t>
+            </a:r>
+          </a:p>
+          <a:p>
+            <a:pPr lvl="1"/>
+            <a:r>
+              <a:rPr lang="en-US" dirty="0" smtClean="0">
+                <a:hlinkClick r:id="rId3"/>
+              </a:rPr>
+              <a:t>https://gitter.im/OGCMetOceanDWG/Lobby</a:t>
+            </a:r>
+            <a:endParaRPr lang="en-US" dirty="0" smtClean="0"/>
+          </a:p>
+          <a:p>
+            <a:endParaRPr lang="en-US" dirty="0"/>
+          </a:p>
+        </p:txBody>
+      </p:sp>
+      <p:sp>
+        <p:nvSpPr>
+          <p:cNvPr id="4" name="Footer Placeholder 3"/>
           <p:cNvSpPr>
             <a:spLocks noGrp="1"/>
           </p:cNvSpPr>
@@ -5051,17 +5044,16 @@
               <a:defRPr/>
             </a:pPr>
             <a:r>
-              <a:rPr lang="en-US" altLang="en-US"/>
+              <a:rPr lang="en-US" altLang="en-US" dirty="0"/>
               <a:t>Copyright © 2018 Open Geospatial Consortium</a:t>
             </a:r>
-            <a:endParaRPr lang="en-US" altLang="en-US" dirty="0"/>
           </a:p>
         </p:txBody>
       </p:sp>
     </p:spTree>
     <p:extLst>
       <p:ext uri="{BB962C8B-B14F-4D97-AF65-F5344CB8AC3E}">
-        <p14:creationId xmlns:p14="http://schemas.microsoft.com/office/powerpoint/2010/main" val="3138313081"/>
+        <p14:creationId xmlns:p14="http://schemas.microsoft.com/office/powerpoint/2010/main" val="1948080231"/>
       </p:ext>
     </p:extLst>
   </p:cSld>
@@ -5104,9 +5096,10 @@
           <a:lstStyle/>
           <a:p>
             <a:r>
-              <a:rPr lang="en-US" dirty="0"/>
-              <a:t>Agenda</a:t>
-            </a:r>
+              <a:rPr lang="en-CA" dirty="0" smtClean="0"/>
+              <a:t>API Review</a:t>
+            </a:r>
+            <a:endParaRPr lang="en-CA" dirty="0"/>
           </a:p>
         </p:txBody>
       </p:sp>
@@ -5125,7 +5118,37 @@
           <a:bodyPr/>
           <a:lstStyle/>
           <a:p>
-            <a:endParaRPr lang="en-US"/>
+            <a:r>
+              <a:rPr lang="en-CA" dirty="0" smtClean="0"/>
+              <a:t>OpenAPI Definition</a:t>
+            </a:r>
+          </a:p>
+          <a:p>
+            <a:r>
+              <a:rPr lang="en-CA" dirty="0" smtClean="0"/>
+              <a:t>Structure / Design Patterns</a:t>
+            </a:r>
+          </a:p>
+          <a:p>
+            <a:r>
+              <a:rPr lang="en-CA" dirty="0" smtClean="0"/>
+              <a:t>Comparison / alignment with WFS 3.0</a:t>
+            </a:r>
+          </a:p>
+          <a:p>
+            <a:r>
+              <a:rPr lang="en-CA" dirty="0" smtClean="0"/>
+              <a:t>Integration testing with </a:t>
+            </a:r>
+            <a:r>
+              <a:rPr lang="en-CA" dirty="0" err="1" smtClean="0"/>
+              <a:t>OWSLib</a:t>
+            </a:r>
+            <a:r>
+              <a:rPr lang="en-CA" dirty="0" smtClean="0"/>
+              <a:t> WFS 3.0 client</a:t>
+            </a:r>
+            <a:endParaRPr lang="en-CA" dirty="0"/>
           </a:p>
         </p:txBody>
       </p:sp>
@@ -5148,16 +5171,17 @@
               <a:defRPr/>
             </a:pPr>
             <a:r>
-              <a:rPr lang="en-US" altLang="en-US" dirty="0"/>
+              <a:rPr lang="en-US" altLang="en-US" smtClean="0"/>
               <a:t>Copyright © 2018 Open Geospatial Consortium</a:t>
             </a:r>
+            <a:endParaRPr lang="en-US" altLang="en-US" dirty="0"/>
           </a:p>
         </p:txBody>
       </p:sp>
     </p:spTree>
     <p:extLst>
       <p:ext uri="{BB962C8B-B14F-4D97-AF65-F5344CB8AC3E}">
-        <p14:creationId xmlns:p14="http://schemas.microsoft.com/office/powerpoint/2010/main" val="1948080231"/>
+        <p14:creationId xmlns:p14="http://schemas.microsoft.com/office/powerpoint/2010/main" val="3107129492"/>
       </p:ext>
     </p:extLst>
   </p:cSld>
